--- a/characterLCD_Rasp.pptx
+++ b/characterLCD_Rasp.pptx
@@ -323,7 +323,7 @@
             <a:fld id="{1D8BD707-D9CF-40AE-B4C6-C98DA3205C09}" type="datetimeFigureOut">
               <a:rPr lang="en-US" smtClean="0"/>
               <a:pPr/>
-              <a:t>12/5/2016</a:t>
+              <a:t>12/20/2016</a:t>
             </a:fld>
             <a:endParaRPr lang="en-US"/>
           </a:p>
@@ -519,7 +519,7 @@
             <a:fld id="{1D8BD707-D9CF-40AE-B4C6-C98DA3205C09}" type="datetimeFigureOut">
               <a:rPr lang="en-US" smtClean="0"/>
               <a:pPr/>
-              <a:t>12/5/2016</a:t>
+              <a:t>12/20/2016</a:t>
             </a:fld>
             <a:endParaRPr lang="en-US"/>
           </a:p>
@@ -709,7 +709,7 @@
             <a:fld id="{1D8BD707-D9CF-40AE-B4C6-C98DA3205C09}" type="datetimeFigureOut">
               <a:rPr lang="en-US" smtClean="0"/>
               <a:pPr/>
-              <a:t>12/5/2016</a:t>
+              <a:t>12/20/2016</a:t>
             </a:fld>
             <a:endParaRPr lang="en-US"/>
           </a:p>
@@ -940,7 +940,7 @@
             <a:fld id="{1D8BD707-D9CF-40AE-B4C6-C98DA3205C09}" type="datetimeFigureOut">
               <a:rPr lang="en-US" smtClean="0"/>
               <a:pPr/>
-              <a:t>12/5/2016</a:t>
+              <a:t>12/20/2016</a:t>
             </a:fld>
             <a:endParaRPr lang="en-US"/>
           </a:p>
@@ -1223,7 +1223,7 @@
             <a:fld id="{1D8BD707-D9CF-40AE-B4C6-C98DA3205C09}" type="datetimeFigureOut">
               <a:rPr lang="en-US" smtClean="0"/>
               <a:pPr/>
-              <a:t>12/5/2016</a:t>
+              <a:t>12/20/2016</a:t>
             </a:fld>
             <a:endParaRPr lang="en-US"/>
           </a:p>
@@ -1513,7 +1513,7 @@
             <a:fld id="{1D8BD707-D9CF-40AE-B4C6-C98DA3205C09}" type="datetimeFigureOut">
               <a:rPr lang="en-US" smtClean="0"/>
               <a:pPr/>
-              <a:t>12/5/2016</a:t>
+              <a:t>12/20/2016</a:t>
             </a:fld>
             <a:endParaRPr lang="en-US"/>
           </a:p>
@@ -2069,7 +2069,7 @@
             <a:fld id="{1D8BD707-D9CF-40AE-B4C6-C98DA3205C09}" type="datetimeFigureOut">
               <a:rPr lang="en-US" smtClean="0"/>
               <a:pPr/>
-              <a:t>12/5/2016</a:t>
+              <a:t>12/20/2016</a:t>
             </a:fld>
             <a:endParaRPr lang="en-US"/>
           </a:p>
@@ -2202,7 +2202,7 @@
             <a:fld id="{1D8BD707-D9CF-40AE-B4C6-C98DA3205C09}" type="datetimeFigureOut">
               <a:rPr lang="en-US" smtClean="0"/>
               <a:pPr/>
-              <a:t>12/5/2016</a:t>
+              <a:t>12/20/2016</a:t>
             </a:fld>
             <a:endParaRPr lang="en-US"/>
           </a:p>
@@ -2354,7 +2354,7 @@
             <a:fld id="{1D8BD707-D9CF-40AE-B4C6-C98DA3205C09}" type="datetimeFigureOut">
               <a:rPr lang="en-US" smtClean="0"/>
               <a:pPr/>
-              <a:t>12/5/2016</a:t>
+              <a:t>12/20/2016</a:t>
             </a:fld>
             <a:endParaRPr lang="en-US"/>
           </a:p>
@@ -2677,7 +2677,7 @@
             <a:fld id="{1D8BD707-D9CF-40AE-B4C6-C98DA3205C09}" type="datetimeFigureOut">
               <a:rPr lang="en-US" smtClean="0"/>
               <a:pPr/>
-              <a:t>12/5/2016</a:t>
+              <a:t>12/20/2016</a:t>
             </a:fld>
             <a:endParaRPr lang="en-US"/>
           </a:p>
@@ -2976,7 +2976,7 @@
             <a:fld id="{1D8BD707-D9CF-40AE-B4C6-C98DA3205C09}" type="datetimeFigureOut">
               <a:rPr lang="en-US" smtClean="0"/>
               <a:pPr/>
-              <a:t>12/5/2016</a:t>
+              <a:t>12/20/2016</a:t>
             </a:fld>
             <a:endParaRPr lang="en-US"/>
           </a:p>
@@ -3223,7 +3223,7 @@
             <a:fld id="{1D8BD707-D9CF-40AE-B4C6-C98DA3205C09}" type="datetimeFigureOut">
               <a:rPr lang="en-US" smtClean="0"/>
               <a:pPr/>
-              <a:t>12/5/2016</a:t>
+              <a:t>12/20/2016</a:t>
             </a:fld>
             <a:endParaRPr lang="en-US"/>
           </a:p>
@@ -3793,6 +3793,13 @@
   <p:clrMapOvr>
     <a:masterClrMapping/>
   </p:clrMapOvr>
+  <p:timing>
+    <p:tnLst>
+      <p:par>
+        <p:cTn id="1" dur="indefinite" restart="never" nodeType="tmRoot"/>
+      </p:par>
+    </p:tnLst>
+  </p:timing>
 </p:sld>
 </file>
 
@@ -4032,6 +4039,13 @@
   <p:clrMapOvr>
     <a:masterClrMapping/>
   </p:clrMapOvr>
+  <p:timing>
+    <p:tnLst>
+      <p:par>
+        <p:cTn id="1" dur="indefinite" restart="never" nodeType="tmRoot"/>
+      </p:par>
+    </p:tnLst>
+  </p:timing>
 </p:sld>
 </file>
 
@@ -4215,6 +4229,13 @@
   <p:clrMapOvr>
     <a:masterClrMapping/>
   </p:clrMapOvr>
+  <p:timing>
+    <p:tnLst>
+      <p:par>
+        <p:cTn id="1" dur="indefinite" restart="never" nodeType="tmRoot"/>
+      </p:par>
+    </p:tnLst>
+  </p:timing>
 </p:sld>
 </file>
 
@@ -4798,6 +4819,13 @@
   <p:clrMapOvr>
     <a:masterClrMapping/>
   </p:clrMapOvr>
+  <p:timing>
+    <p:tnLst>
+      <p:par>
+        <p:cTn id="1" dur="indefinite" restart="never" nodeType="tmRoot"/>
+      </p:par>
+    </p:tnLst>
+  </p:timing>
 </p:sld>
 </file>
 
